--- a/발표자료/5주차/자구설_5주차_V1.0.pptx
+++ b/발표자료/5주차/자구설_5주차_V1.0.pptx
@@ -4903,10 +4903,10 @@
       </p:pic>
       <p:pic>
         <p:nvPicPr>
-          <p:cNvPr id="5" name="내용 개체 틀 4">
+          <p:cNvPr id="7" name="내용 개체 틀 6">
             <a:extLst>
               <a:ext uri="{FF2B5EF4-FFF2-40B4-BE49-F238E27FC236}">
-                <a16:creationId xmlns:a16="http://schemas.microsoft.com/office/drawing/2014/main" id="{2C7E14F4-306B-4562-B533-B2A57176C5A3}"/>
+                <a16:creationId xmlns:a16="http://schemas.microsoft.com/office/drawing/2014/main" id="{10B878F1-A30A-4187-ADF3-3895918FE257}"/>
               </a:ext>
             </a:extLst>
           </p:cNvPr>
@@ -4925,8 +4925,8 @@
         </p:blipFill>
         <p:spPr>
           <a:xfrm>
-            <a:off x="5100637" y="2570495"/>
-            <a:ext cx="6899579" cy="3601705"/>
+            <a:off x="4606426" y="1964983"/>
+            <a:ext cx="7585574" cy="4117318"/>
           </a:xfrm>
         </p:spPr>
       </p:pic>
@@ -5186,10 +5186,10 @@
       </p:pic>
       <p:pic>
         <p:nvPicPr>
-          <p:cNvPr id="8" name="그림 7">
+          <p:cNvPr id="5" name="그림 4">
             <a:extLst>
               <a:ext uri="{FF2B5EF4-FFF2-40B4-BE49-F238E27FC236}">
-                <a16:creationId xmlns:a16="http://schemas.microsoft.com/office/drawing/2014/main" id="{2BE2D172-A62E-4637-BA80-2494324943C6}"/>
+                <a16:creationId xmlns:a16="http://schemas.microsoft.com/office/drawing/2014/main" id="{95FE3881-2892-4F89-B284-D40696A9E848}"/>
               </a:ext>
             </a:extLst>
           </p:cNvPr>
@@ -5206,8 +5206,38 @@
         </p:blipFill>
         <p:spPr>
           <a:xfrm>
-            <a:off x="568808" y="2651852"/>
-            <a:ext cx="11354384" cy="1854295"/>
+            <a:off x="1596794" y="463397"/>
+            <a:ext cx="8998412" cy="5931205"/>
+          </a:xfrm>
+          <a:prstGeom prst="rect">
+            <a:avLst/>
+          </a:prstGeom>
+        </p:spPr>
+      </p:pic>
+      <p:pic>
+        <p:nvPicPr>
+          <p:cNvPr id="10" name="그림 9">
+            <a:extLst>
+              <a:ext uri="{FF2B5EF4-FFF2-40B4-BE49-F238E27FC236}">
+                <a16:creationId xmlns:a16="http://schemas.microsoft.com/office/drawing/2014/main" id="{9EC132DE-A198-4940-BD6A-13DB5DE87CFD}"/>
+              </a:ext>
+            </a:extLst>
+          </p:cNvPr>
+          <p:cNvPicPr>
+            <a:picLocks noChangeAspect="1"/>
+          </p:cNvPicPr>
+          <p:nvPr/>
+        </p:nvPicPr>
+        <p:blipFill>
+          <a:blip r:embed="rId5"/>
+          <a:stretch>
+            <a:fillRect/>
+          </a:stretch>
+        </p:blipFill>
+        <p:spPr>
+          <a:xfrm>
+            <a:off x="444977" y="3102725"/>
+            <a:ext cx="11602046" cy="952549"/>
           </a:xfrm>
           <a:prstGeom prst="rect">
             <a:avLst/>
@@ -5303,7 +5333,52 @@
                                           </p:stCondLst>
                                         </p:cTn>
                                         <p:tgtEl>
-                                          <p:spTgt spid="8"/>
+                                          <p:spTgt spid="5"/>
+                                        </p:tgtEl>
+                                        <p:attrNameLst>
+                                          <p:attrName>style.visibility</p:attrName>
+                                        </p:attrNameLst>
+                                      </p:cBhvr>
+                                      <p:to>
+                                        <p:strVal val="visible"/>
+                                      </p:to>
+                                    </p:set>
+                                  </p:childTnLst>
+                                </p:cTn>
+                              </p:par>
+                            </p:childTnLst>
+                          </p:cTn>
+                        </p:par>
+                      </p:childTnLst>
+                    </p:cTn>
+                  </p:par>
+                  <p:par>
+                    <p:cTn id="11" fill="hold">
+                      <p:stCondLst>
+                        <p:cond delay="indefinite"/>
+                      </p:stCondLst>
+                      <p:childTnLst>
+                        <p:par>
+                          <p:cTn id="12" fill="hold">
+                            <p:stCondLst>
+                              <p:cond delay="0"/>
+                            </p:stCondLst>
+                            <p:childTnLst>
+                              <p:par>
+                                <p:cTn id="13" presetID="1" presetClass="entr" presetSubtype="0" fill="hold" nodeType="clickEffect">
+                                  <p:stCondLst>
+                                    <p:cond delay="0"/>
+                                  </p:stCondLst>
+                                  <p:childTnLst>
+                                    <p:set>
+                                      <p:cBhvr>
+                                        <p:cTn id="14" dur="1" fill="hold">
+                                          <p:stCondLst>
+                                            <p:cond delay="0"/>
+                                          </p:stCondLst>
+                                        </p:cTn>
+                                        <p:tgtEl>
+                                          <p:spTgt spid="10"/>
                                         </p:tgtEl>
                                         <p:attrNameLst>
                                           <p:attrName>style.visibility</p:attrName>

--- a/발표자료/5주차/자구설_5주차_V1.0.pptx
+++ b/발표자료/5주차/자구설_5주차_V1.0.pptx
@@ -4759,21 +4759,44 @@
           </a:fontRef>
         </p:style>
       </p:sp>
+      <p:sp>
+        <p:nvSpPr>
+          <p:cNvPr id="5" name="내용 개체 틀 4">
+            <a:extLst>
+              <a:ext uri="{FF2B5EF4-FFF2-40B4-BE49-F238E27FC236}">
+                <a16:creationId xmlns:a16="http://schemas.microsoft.com/office/drawing/2014/main" id="{C11A838C-6E20-435C-93E7-F8604173A4AE}"/>
+              </a:ext>
+            </a:extLst>
+          </p:cNvPr>
+          <p:cNvSpPr>
+            <a:spLocks noGrp="1"/>
+          </p:cNvSpPr>
+          <p:nvPr>
+            <p:ph idx="1"/>
+          </p:nvPr>
+        </p:nvSpPr>
+        <p:spPr/>
+        <p:txBody>
+          <a:bodyPr/>
+          <a:lstStyle/>
+          <a:p>
+            <a:endParaRPr lang="ko-KR" altLang="en-US"/>
+          </a:p>
+        </p:txBody>
+      </p:sp>
       <p:pic>
         <p:nvPicPr>
-          <p:cNvPr id="4" name="내용 개체 틀 3">
+          <p:cNvPr id="6" name="그림 5">
             <a:extLst>
               <a:ext uri="{FF2B5EF4-FFF2-40B4-BE49-F238E27FC236}">
-                <a16:creationId xmlns:a16="http://schemas.microsoft.com/office/drawing/2014/main" id="{36933313-D55F-4969-9100-306B7A21B52A}"/>
+                <a16:creationId xmlns:a16="http://schemas.microsoft.com/office/drawing/2014/main" id="{7CDCF36F-BE18-437D-977D-0EE2FE0420CA}"/>
               </a:ext>
             </a:extLst>
           </p:cNvPr>
           <p:cNvPicPr>
-            <a:picLocks noGrp="1" noChangeAspect="1"/>
+            <a:picLocks noChangeAspect="1"/>
           </p:cNvPicPr>
-          <p:nvPr>
-            <p:ph idx="1"/>
-          </p:nvPr>
+          <p:nvPr/>
         </p:nvPicPr>
         <p:blipFill>
           <a:blip r:embed="rId3"/>
@@ -4783,8 +4806,8 @@
         </p:blipFill>
         <p:spPr>
           <a:xfrm>
-            <a:off x="5188226" y="2286000"/>
-            <a:ext cx="6176775" cy="3581400"/>
+            <a:off x="4700544" y="2014954"/>
+            <a:ext cx="7094189" cy="4797673"/>
           </a:xfrm>
           <a:prstGeom prst="rect">
             <a:avLst/>
